--- a/misc/figures.pptx
+++ b/misc/figures.pptx
@@ -261,7 +261,7 @@
           <a:p>
             <a:fld id="{0DCDFB6A-4010-4585-938C-10715C848623}" type="datetimeFigureOut">
               <a:rPr lang="ko-KR" altLang="en-US" smtClean="0"/>
-              <a:t>2021-09-12</a:t>
+              <a:t>2021-09-16</a:t>
             </a:fld>
             <a:endParaRPr lang="ko-KR" altLang="en-US"/>
           </a:p>
@@ -461,7 +461,7 @@
           <a:p>
             <a:fld id="{0DCDFB6A-4010-4585-938C-10715C848623}" type="datetimeFigureOut">
               <a:rPr lang="ko-KR" altLang="en-US" smtClean="0"/>
-              <a:t>2021-09-12</a:t>
+              <a:t>2021-09-16</a:t>
             </a:fld>
             <a:endParaRPr lang="ko-KR" altLang="en-US"/>
           </a:p>
@@ -671,7 +671,7 @@
           <a:p>
             <a:fld id="{0DCDFB6A-4010-4585-938C-10715C848623}" type="datetimeFigureOut">
               <a:rPr lang="ko-KR" altLang="en-US" smtClean="0"/>
-              <a:t>2021-09-12</a:t>
+              <a:t>2021-09-16</a:t>
             </a:fld>
             <a:endParaRPr lang="ko-KR" altLang="en-US"/>
           </a:p>
@@ -871,7 +871,7 @@
           <a:p>
             <a:fld id="{0DCDFB6A-4010-4585-938C-10715C848623}" type="datetimeFigureOut">
               <a:rPr lang="ko-KR" altLang="en-US" smtClean="0"/>
-              <a:t>2021-09-12</a:t>
+              <a:t>2021-09-16</a:t>
             </a:fld>
             <a:endParaRPr lang="ko-KR" altLang="en-US"/>
           </a:p>
@@ -1147,7 +1147,7 @@
           <a:p>
             <a:fld id="{0DCDFB6A-4010-4585-938C-10715C848623}" type="datetimeFigureOut">
               <a:rPr lang="ko-KR" altLang="en-US" smtClean="0"/>
-              <a:t>2021-09-12</a:t>
+              <a:t>2021-09-16</a:t>
             </a:fld>
             <a:endParaRPr lang="ko-KR" altLang="en-US"/>
           </a:p>
@@ -1415,7 +1415,7 @@
           <a:p>
             <a:fld id="{0DCDFB6A-4010-4585-938C-10715C848623}" type="datetimeFigureOut">
               <a:rPr lang="ko-KR" altLang="en-US" smtClean="0"/>
-              <a:t>2021-09-12</a:t>
+              <a:t>2021-09-16</a:t>
             </a:fld>
             <a:endParaRPr lang="ko-KR" altLang="en-US"/>
           </a:p>
@@ -1830,7 +1830,7 @@
           <a:p>
             <a:fld id="{0DCDFB6A-4010-4585-938C-10715C848623}" type="datetimeFigureOut">
               <a:rPr lang="ko-KR" altLang="en-US" smtClean="0"/>
-              <a:t>2021-09-12</a:t>
+              <a:t>2021-09-16</a:t>
             </a:fld>
             <a:endParaRPr lang="ko-KR" altLang="en-US"/>
           </a:p>
@@ -1972,7 +1972,7 @@
           <a:p>
             <a:fld id="{0DCDFB6A-4010-4585-938C-10715C848623}" type="datetimeFigureOut">
               <a:rPr lang="ko-KR" altLang="en-US" smtClean="0"/>
-              <a:t>2021-09-12</a:t>
+              <a:t>2021-09-16</a:t>
             </a:fld>
             <a:endParaRPr lang="ko-KR" altLang="en-US"/>
           </a:p>
@@ -2085,7 +2085,7 @@
           <a:p>
             <a:fld id="{0DCDFB6A-4010-4585-938C-10715C848623}" type="datetimeFigureOut">
               <a:rPr lang="ko-KR" altLang="en-US" smtClean="0"/>
-              <a:t>2021-09-12</a:t>
+              <a:t>2021-09-16</a:t>
             </a:fld>
             <a:endParaRPr lang="ko-KR" altLang="en-US"/>
           </a:p>
@@ -2398,7 +2398,7 @@
           <a:p>
             <a:fld id="{0DCDFB6A-4010-4585-938C-10715C848623}" type="datetimeFigureOut">
               <a:rPr lang="ko-KR" altLang="en-US" smtClean="0"/>
-              <a:t>2021-09-12</a:t>
+              <a:t>2021-09-16</a:t>
             </a:fld>
             <a:endParaRPr lang="ko-KR" altLang="en-US"/>
           </a:p>
@@ -2687,7 +2687,7 @@
           <a:p>
             <a:fld id="{0DCDFB6A-4010-4585-938C-10715C848623}" type="datetimeFigureOut">
               <a:rPr lang="ko-KR" altLang="en-US" smtClean="0"/>
-              <a:t>2021-09-12</a:t>
+              <a:t>2021-09-16</a:t>
             </a:fld>
             <a:endParaRPr lang="ko-KR" altLang="en-US"/>
           </a:p>
@@ -2930,7 +2930,7 @@
           <a:p>
             <a:fld id="{0DCDFB6A-4010-4585-938C-10715C848623}" type="datetimeFigureOut">
               <a:rPr lang="ko-KR" altLang="en-US" smtClean="0"/>
-              <a:t>2021-09-12</a:t>
+              <a:t>2021-09-16</a:t>
             </a:fld>
             <a:endParaRPr lang="ko-KR" altLang="en-US"/>
           </a:p>
@@ -3619,7 +3619,7 @@
                 <a:latin typeface="Arial" panose="020B0604020202020204" pitchFamily="34" charset="0"/>
                 <a:cs typeface="Arial" panose="020B0604020202020204" pitchFamily="34" charset="0"/>
               </a:rPr>
-              <a:t>8 m</a:t>
+              <a:t>20 m</a:t>
             </a:r>
             <a:endParaRPr lang="ko-KR" altLang="en-US" dirty="0">
               <a:latin typeface="Arial" panose="020B0604020202020204" pitchFamily="34" charset="0"/>
@@ -3662,7 +3662,7 @@
                 <a:latin typeface="Arial" panose="020B0604020202020204" pitchFamily="34" charset="0"/>
                 <a:cs typeface="Arial" panose="020B0604020202020204" pitchFamily="34" charset="0"/>
               </a:rPr>
-              <a:t>8 m</a:t>
+              <a:t>20 m</a:t>
             </a:r>
             <a:endParaRPr lang="ko-KR" altLang="en-US" dirty="0">
               <a:latin typeface="Arial" panose="020B0604020202020204" pitchFamily="34" charset="0"/>
@@ -3814,8 +3814,8 @@
             </p:nvSpPr>
             <p:spPr>
               <a:xfrm>
-                <a:off x="2046220" y="3614000"/>
-                <a:ext cx="2872010" cy="592535"/>
+                <a:off x="1735502" y="3614000"/>
+                <a:ext cx="3493446" cy="592535"/>
               </a:xfrm>
               <a:prstGeom prst="rect">
                 <a:avLst/>
@@ -3851,14 +3851,35 @@
                     <a:latin typeface="Arial" panose="020B0604020202020204" pitchFamily="34" charset="0"/>
                     <a:cs typeface="Arial" panose="020B0604020202020204" pitchFamily="34" charset="0"/>
                   </a:rPr>
-                  <a:t>: 192 [</a:t>
+                  <a:t>: </a:t>
+                </a:r>
+                <a:r>
+                  <a:rPr lang="en-US" altLang="ko-KR" sz="1600" dirty="0">
+                    <a:solidFill>
+                      <a:srgbClr val="000000"/>
+                    </a:solidFill>
+                    <a:latin typeface="Arial" panose="020B0604020202020204" pitchFamily="34" charset="0"/>
+                    <a:cs typeface="Arial" panose="020B0604020202020204" pitchFamily="34" charset="0"/>
+                  </a:rPr>
+                  <a:t>640</a:t>
+                </a:r>
+                <a:r>
+                  <a:rPr lang="en-US" altLang="ko-KR" sz="1600" b="0" i="0" dirty="0">
+                    <a:solidFill>
+                      <a:srgbClr val="000000"/>
+                    </a:solidFill>
+                    <a:effectLst/>
+                    <a:latin typeface="Arial" panose="020B0604020202020204" pitchFamily="34" charset="0"/>
+                    <a:cs typeface="Arial" panose="020B0604020202020204" pitchFamily="34" charset="0"/>
+                  </a:rPr>
+                  <a:t> [</a:t>
                 </a:r>
                 <a14:m>
                   <m:oMath xmlns:m="http://schemas.openxmlformats.org/officeDocument/2006/math">
                     <m:sSup>
                       <m:sSupPr>
                         <m:ctrlPr>
-                          <a:rPr lang="en-US" altLang="ko-KR" sz="1600" b="0" i="0" dirty="0" smtClean="0">
+                          <a:rPr lang="en-US" altLang="ko-KR" sz="1600" b="0" i="1" dirty="0" smtClean="0">
                             <a:solidFill>
                               <a:srgbClr val="000000"/>
                             </a:solidFill>
@@ -3980,7 +4001,7 @@
                     <a:latin typeface="Arial" panose="020B0604020202020204" pitchFamily="34" charset="0"/>
                     <a:cs typeface="Arial" panose="020B0604020202020204" pitchFamily="34" charset="0"/>
                   </a:rPr>
-                  <a:t>: 96/3600 </a:t>
+                  <a:t>: 600/3600 </a:t>
                 </a:r>
                 <a14:m>
                   <m:oMath xmlns:m="http://schemas.openxmlformats.org/officeDocument/2006/math">
@@ -4002,7 +4023,7 @@
                         <m:sSup>
                           <m:sSupPr>
                             <m:ctrlPr>
-                              <a:rPr lang="en-US" altLang="ko-KR" sz="1600" b="0" smtClean="0">
+                              <a:rPr lang="en-US" altLang="ko-KR" sz="1600" b="0" i="1" smtClean="0">
                                 <a:solidFill>
                                   <a:srgbClr val="000000"/>
                                 </a:solidFill>
@@ -4098,8 +4119,8 @@
             </p:nvSpPr>
             <p:spPr>
               <a:xfrm>
-                <a:off x="2046220" y="3614000"/>
-                <a:ext cx="2872010" cy="592535"/>
+                <a:off x="1735502" y="3614000"/>
+                <a:ext cx="3493446" cy="592535"/>
               </a:xfrm>
               <a:prstGeom prst="rect">
                 <a:avLst/>
@@ -4107,7 +4128,7 @@
               <a:blipFill>
                 <a:blip r:embed="rId3"/>
                 <a:stretch>
-                  <a:fillRect l="-425" t="-3093" r="-4459" b="-13402"/>
+                  <a:fillRect t="-3093" b="-13402"/>
                 </a:stretch>
               </a:blipFill>
             </p:spPr>
@@ -4128,10 +4149,10 @@
       </mc:AlternateContent>
       <p:pic>
         <p:nvPicPr>
-          <p:cNvPr id="8" name="Picture 7">
-            <a:extLst>
-              <a:ext uri="{FF2B5EF4-FFF2-40B4-BE49-F238E27FC236}">
-                <a16:creationId xmlns:a16="http://schemas.microsoft.com/office/drawing/2014/main" id="{B586FF3D-8606-4C35-AFB6-FEDCD19D3418}"/>
+          <p:cNvPr id="2" name="Picture 1">
+            <a:extLst>
+              <a:ext uri="{FF2B5EF4-FFF2-40B4-BE49-F238E27FC236}">
+                <a16:creationId xmlns:a16="http://schemas.microsoft.com/office/drawing/2014/main" id="{D92E4EDF-92E3-499D-8A7D-C89C368B400F}"/>
               </a:ext>
             </a:extLst>
           </p:cNvPr>
@@ -4148,8 +4169,8 @@
         </p:blipFill>
         <p:spPr>
           <a:xfrm>
-            <a:off x="6257924" y="2910089"/>
-            <a:ext cx="1858481" cy="1677461"/>
+            <a:off x="6105882" y="1956739"/>
+            <a:ext cx="2570225" cy="2052164"/>
           </a:xfrm>
           <a:prstGeom prst="rect">
             <a:avLst/>
